--- a/_en/Timeline/English/sources/PowerPoint_Slide_Master.pptx
+++ b/_en/Timeline/English/sources/PowerPoint_Slide_Master.pptx
@@ -441,7 +441,7 @@
             </a:br>
             <a:r>
               <a:rPr lang="en-US" altLang="zh-CN" dirty="0" err="1"/>
-              <a:t>Alt+Enter</a:t>
+              <a:t>Shift+Enter</a:t>
             </a:r>
             <a:r>
               <a:rPr lang="en-US" altLang="zh-CN" dirty="0"/>
@@ -1093,7 +1093,7 @@
           <p:cNvPr id="2" name="Text Placeholder 1">
             <a:extLst>
               <a:ext uri="{FF2B5EF4-FFF2-40B4-BE49-F238E27FC236}">
-                <a16:creationId xmlns:a16="http://schemas.microsoft.com/office/drawing/2014/main" id="{77D70789-8948-437A-B5D7-9B1DA683606B}"/>
+                <a16:creationId xmlns:a16="http://schemas.microsoft.com/office/drawing/2014/main" id="{FD912455-CE47-48A0-9C06-43A5D5CBAC45}"/>
               </a:ext>
             </a:extLst>
           </p:cNvPr>
@@ -1118,7 +1118,7 @@
           <p:cNvPr id="3" name="Text Placeholder 2">
             <a:extLst>
               <a:ext uri="{FF2B5EF4-FFF2-40B4-BE49-F238E27FC236}">
-                <a16:creationId xmlns:a16="http://schemas.microsoft.com/office/drawing/2014/main" id="{9CA12EDD-C161-4E46-B651-DADEEB4135CC}"/>
+                <a16:creationId xmlns:a16="http://schemas.microsoft.com/office/drawing/2014/main" id="{BBDC4116-5C55-4BA2-BBFA-0146F33BA851}"/>
               </a:ext>
             </a:extLst>
           </p:cNvPr>
@@ -1143,7 +1143,7 @@
           <p:cNvPr id="4" name="Content Placeholder 3">
             <a:extLst>
               <a:ext uri="{FF2B5EF4-FFF2-40B4-BE49-F238E27FC236}">
-                <a16:creationId xmlns:a16="http://schemas.microsoft.com/office/drawing/2014/main" id="{C2A76145-7297-412B-B592-55C5C5BF59A2}"/>
+                <a16:creationId xmlns:a16="http://schemas.microsoft.com/office/drawing/2014/main" id="{F262A263-93F3-494D-830B-80F5CA794BEB}"/>
               </a:ext>
             </a:extLst>
           </p:cNvPr>
@@ -1166,7 +1166,7 @@
     </p:spTree>
     <p:extLst>
       <p:ext uri="{BB962C8B-B14F-4D97-AF65-F5344CB8AC3E}">
-        <p14:creationId xmlns:p14="http://schemas.microsoft.com/office/powerpoint/2010/main" val="1195115579"/>
+        <p14:creationId xmlns:p14="http://schemas.microsoft.com/office/powerpoint/2010/main" val="193431470"/>
       </p:ext>
     </p:extLst>
   </p:cSld>

--- a/_en/Timeline/English/sources/PowerPoint_Slide_Master.pptx
+++ b/_en/Timeline/English/sources/PowerPoint_Slide_Master.pptx
@@ -307,9 +307,9 @@
               <a:rPr lang="en-US" altLang="zh-CN" dirty="0"/>
               <a:t>Add Link Here</a:t>
             </a:r>
-          </a:p>
-          <a:p>
-            <a:pPr lvl="0"/>
+            <a:br>
+              <a:rPr lang="en-US" altLang="zh-CN" dirty="0"/>
+            </a:br>
             <a:r>
               <a:rPr lang="en-US" altLang="zh-CN" dirty="0"/>
               <a:t>Add Link Here</a:t>
@@ -427,14 +427,14 @@
             <a:pPr lvl="0"/>
             <a:r>
               <a:rPr lang="en-US" altLang="zh-CN" dirty="0"/>
-              <a:t>Keep the First Line Blank</a:t>
+              <a:t>Leave the First Line Blank</a:t>
             </a:r>
             <a:br>
               <a:rPr lang="en-US" altLang="zh-CN" dirty="0"/>
             </a:br>
             <a:r>
               <a:rPr lang="en-US" altLang="zh-CN" dirty="0"/>
-              <a:t>Add First Level Content Here</a:t>
+              <a:t>Add Heading Here</a:t>
             </a:r>
             <a:br>
               <a:rPr lang="en-US" altLang="zh-CN" dirty="0"/>
@@ -445,14 +445,14 @@
             </a:r>
             <a:r>
               <a:rPr lang="en-US" altLang="zh-CN" dirty="0"/>
-              <a:t> to Continue</a:t>
+              <a:t> to Add Content</a:t>
             </a:r>
             <a:br>
               <a:rPr lang="en-US" altLang="zh-CN" dirty="0"/>
             </a:br>
             <a:r>
               <a:rPr lang="en-US" altLang="zh-CN" dirty="0"/>
-              <a:t>Tab to Add Second Level Content</a:t>
+              <a:t>Tab to Add Items</a:t>
             </a:r>
           </a:p>
           <a:p>
@@ -462,8 +462,8 @@
           <a:p>
             <a:pPr lvl="1"/>
             <a:r>
-              <a:rPr lang="en-US" altLang="zh-CN" dirty="0"/>
-              <a:t>Add Second Level Content Here</a:t>
+              <a:rPr lang="en-US" altLang="zh-CN"/>
+              <a:t>Add Items Here</a:t>
             </a:r>
             <a:endParaRPr lang="zh-CN" altLang="en-US" dirty="0"/>
           </a:p>

--- a/_en/Timeline/English/sources/PowerPoint_Slide_Master.pptx
+++ b/_en/Timeline/English/sources/PowerPoint_Slide_Master.pptx
@@ -307,9 +307,9 @@
               <a:rPr lang="en-US" altLang="zh-CN" dirty="0"/>
               <a:t>Add Link Here</a:t>
             </a:r>
-            <a:br>
-              <a:rPr lang="en-US" altLang="zh-CN" dirty="0"/>
-            </a:br>
+          </a:p>
+          <a:p>
+            <a:pPr lvl="0"/>
             <a:r>
               <a:rPr lang="en-US" altLang="zh-CN" dirty="0"/>
               <a:t>Add Link Here</a:t>
@@ -378,7 +378,7 @@
         <p:spPr>
           <a:xfrm>
             <a:off x="252000" y="1080000"/>
-            <a:ext cx="8640000" cy="5400000"/>
+            <a:ext cx="5040000" cy="5400000"/>
           </a:xfrm>
           <a:prstGeom prst="rect">
             <a:avLst/>
@@ -434,7 +434,7 @@
             </a:br>
             <a:r>
               <a:rPr lang="en-US" altLang="zh-CN" dirty="0"/>
-              <a:t>Add Heading Here</a:t>
+              <a:t>Add Heading without Bullet</a:t>
             </a:r>
             <a:br>
               <a:rPr lang="en-US" altLang="zh-CN" dirty="0"/>
@@ -452,18 +452,113 @@
             </a:br>
             <a:r>
               <a:rPr lang="en-US" altLang="zh-CN" dirty="0"/>
-              <a:t>Tab to Add Items</a:t>
+              <a:t>Tap to </a:t>
             </a:r>
+            <a:r>
+              <a:rPr lang="en-US" altLang="zh-CN"/>
+              <a:t>Add Items</a:t>
+            </a:r>
+            <a:br>
+              <a:rPr lang="en-US" altLang="zh-CN" dirty="0"/>
+            </a:br>
+            <a:endParaRPr lang="en-US" altLang="zh-CN" dirty="0"/>
           </a:p>
           <a:p>
             <a:pPr lvl="0"/>
-            <a:endParaRPr lang="en-US" altLang="zh-CN" dirty="0"/>
+            <a:r>
+              <a:rPr lang="en-US" altLang="zh-CN" dirty="0"/>
+              <a:t>Add Item Here</a:t>
+            </a:r>
           </a:p>
           <a:p>
             <a:pPr lvl="1"/>
             <a:r>
-              <a:rPr lang="en-US" altLang="zh-CN"/>
-              <a:t>Add Items Here</a:t>
+              <a:rPr lang="en-US" altLang="zh-CN" dirty="0"/>
+              <a:t>Add Subitem Here</a:t>
+            </a:r>
+            <a:endParaRPr lang="zh-CN" altLang="en-US" dirty="0"/>
+          </a:p>
+        </p:txBody>
+      </p:sp>
+      <p:sp>
+        <p:nvSpPr>
+          <p:cNvPr id="4" name="Content Placeholder 3">
+            <a:extLst>
+              <a:ext uri="{FF2B5EF4-FFF2-40B4-BE49-F238E27FC236}">
+                <a16:creationId xmlns:a16="http://schemas.microsoft.com/office/drawing/2014/main" id="{AFD15D59-0E90-497E-89A8-983942C54806}"/>
+              </a:ext>
+            </a:extLst>
+          </p:cNvPr>
+          <p:cNvSpPr>
+            <a:spLocks noGrp="1"/>
+          </p:cNvSpPr>
+          <p:nvPr>
+            <p:ph sz="quarter" idx="14" hasCustomPrompt="1"/>
+          </p:nvPr>
+        </p:nvSpPr>
+        <p:spPr>
+          <a:xfrm>
+            <a:off x="5292000" y="1080000"/>
+            <a:ext cx="3600000" cy="5400000"/>
+          </a:xfrm>
+          <a:prstGeom prst="rect">
+            <a:avLst/>
+          </a:prstGeom>
+        </p:spPr>
+        <p:txBody>
+          <a:bodyPr lIns="0" tIns="0" rIns="0" bIns="0"/>
+          <a:lstStyle>
+            <a:lvl1pPr marL="252000" indent="-252000" defTabSz="252000">
+              <a:lnSpc>
+                <a:spcPct val="100000"/>
+              </a:lnSpc>
+              <a:spcBef>
+                <a:spcPts val="0"/>
+              </a:spcBef>
+              <a:buClr>
+                <a:srgbClr val="4CAF50"/>
+              </a:buClr>
+              <a:buFont typeface="Consolas" panose="020B0609020204030204" pitchFamily="49" charset="0"/>
+              <a:buChar char="♫"/>
+              <a:defRPr sz="1800">
+                <a:solidFill>
+                  <a:srgbClr val="4CAF50"/>
+                </a:solidFill>
+                <a:latin typeface="Consolas" panose="020B0609020204030204" pitchFamily="49" charset="0"/>
+              </a:defRPr>
+            </a:lvl1pPr>
+            <a:lvl2pPr marL="504000" indent="-252000" defTabSz="252000">
+              <a:lnSpc>
+                <a:spcPct val="100000"/>
+              </a:lnSpc>
+              <a:spcBef>
+                <a:spcPts val="0"/>
+              </a:spcBef>
+              <a:buClr>
+                <a:srgbClr val="4CAF50"/>
+              </a:buClr>
+              <a:buFont typeface="Consolas" panose="020B0609020204030204" pitchFamily="49" charset="0"/>
+              <a:buChar char="♪"/>
+              <a:defRPr>
+                <a:solidFill>
+                  <a:srgbClr val="4CAF50"/>
+                </a:solidFill>
+                <a:latin typeface="Consolas" panose="020B0609020204030204" pitchFamily="49" charset="0"/>
+              </a:defRPr>
+            </a:lvl2pPr>
+          </a:lstStyle>
+          <a:p>
+            <a:pPr lvl="0"/>
+            <a:r>
+              <a:rPr lang="en-US" altLang="zh-CN" dirty="0"/>
+              <a:t>Add Picture Here</a:t>
+            </a:r>
+          </a:p>
+          <a:p>
+            <a:pPr lvl="1"/>
+            <a:r>
+              <a:rPr lang="en-US" altLang="zh-CN" dirty="0"/>
+              <a:t>Add Item Here</a:t>
             </a:r>
             <a:endParaRPr lang="zh-CN" altLang="en-US" dirty="0"/>
           </a:p>
@@ -619,7 +714,7 @@
             </a:br>
             <a:r>
               <a:rPr lang="en-US" altLang="zh-CN" dirty="0"/>
-              <a:t>Add Info Here</a:t>
+              <a:t>Add Information Here</a:t>
             </a:r>
             <a:endParaRPr lang="zh-CN" altLang="en-US" dirty="0"/>
           </a:p>
@@ -1001,7 +1096,7 @@
           <p:cNvPr id="2" name="Text Placeholder 1">
             <a:extLst>
               <a:ext uri="{FF2B5EF4-FFF2-40B4-BE49-F238E27FC236}">
-                <a16:creationId xmlns:a16="http://schemas.microsoft.com/office/drawing/2014/main" id="{00616FB6-FCC4-4EA9-93B7-F5EEF03FA809}"/>
+                <a16:creationId xmlns:a16="http://schemas.microsoft.com/office/drawing/2014/main" id="{FE1B2551-5113-4771-8B1A-39318A8E72E9}"/>
               </a:ext>
             </a:extLst>
           </p:cNvPr>
@@ -1026,7 +1121,7 @@
           <p:cNvPr id="3" name="Text Placeholder 2">
             <a:extLst>
               <a:ext uri="{FF2B5EF4-FFF2-40B4-BE49-F238E27FC236}">
-                <a16:creationId xmlns:a16="http://schemas.microsoft.com/office/drawing/2014/main" id="{E8E524BB-8A4F-4B1D-82F0-9904522195E7}"/>
+                <a16:creationId xmlns:a16="http://schemas.microsoft.com/office/drawing/2014/main" id="{CADEAAAF-46B6-42DA-846F-B3784C75A619}"/>
               </a:ext>
             </a:extLst>
           </p:cNvPr>
@@ -1049,7 +1144,7 @@
     </p:spTree>
     <p:extLst>
       <p:ext uri="{BB962C8B-B14F-4D97-AF65-F5344CB8AC3E}">
-        <p14:creationId xmlns:p14="http://schemas.microsoft.com/office/powerpoint/2010/main" val="3725497345"/>
+        <p14:creationId xmlns:p14="http://schemas.microsoft.com/office/powerpoint/2010/main" val="1424859606"/>
       </p:ext>
     </p:extLst>
   </p:cSld>
@@ -1093,7 +1188,7 @@
           <p:cNvPr id="2" name="Text Placeholder 1">
             <a:extLst>
               <a:ext uri="{FF2B5EF4-FFF2-40B4-BE49-F238E27FC236}">
-                <a16:creationId xmlns:a16="http://schemas.microsoft.com/office/drawing/2014/main" id="{FD912455-CE47-48A0-9C06-43A5D5CBAC45}"/>
+                <a16:creationId xmlns:a16="http://schemas.microsoft.com/office/drawing/2014/main" id="{BD555D64-4856-4DD7-A552-5342FF8EAA91}"/>
               </a:ext>
             </a:extLst>
           </p:cNvPr>
@@ -1118,7 +1213,7 @@
           <p:cNvPr id="3" name="Text Placeholder 2">
             <a:extLst>
               <a:ext uri="{FF2B5EF4-FFF2-40B4-BE49-F238E27FC236}">
-                <a16:creationId xmlns:a16="http://schemas.microsoft.com/office/drawing/2014/main" id="{BBDC4116-5C55-4BA2-BBFA-0146F33BA851}"/>
+                <a16:creationId xmlns:a16="http://schemas.microsoft.com/office/drawing/2014/main" id="{3A960212-CA1E-4CF1-8DCE-E62D27CC94F4}"/>
               </a:ext>
             </a:extLst>
           </p:cNvPr>
@@ -1143,7 +1238,7 @@
           <p:cNvPr id="4" name="Content Placeholder 3">
             <a:extLst>
               <a:ext uri="{FF2B5EF4-FFF2-40B4-BE49-F238E27FC236}">
-                <a16:creationId xmlns:a16="http://schemas.microsoft.com/office/drawing/2014/main" id="{F262A263-93F3-494D-830B-80F5CA794BEB}"/>
+                <a16:creationId xmlns:a16="http://schemas.microsoft.com/office/drawing/2014/main" id="{F066F35B-B680-4B1D-986A-4CA0FF194705}"/>
               </a:ext>
             </a:extLst>
           </p:cNvPr>
@@ -1159,6 +1254,31 @@
           <a:bodyPr/>
           <a:lstStyle/>
           <a:p>
+            <a:endParaRPr lang="zh-CN" altLang="en-US" dirty="0"/>
+          </a:p>
+        </p:txBody>
+      </p:sp>
+      <p:sp>
+        <p:nvSpPr>
+          <p:cNvPr id="5" name="Content Placeholder 4">
+            <a:extLst>
+              <a:ext uri="{FF2B5EF4-FFF2-40B4-BE49-F238E27FC236}">
+                <a16:creationId xmlns:a16="http://schemas.microsoft.com/office/drawing/2014/main" id="{6E8D582B-0880-479E-B6A3-954C8CB8244D}"/>
+              </a:ext>
+            </a:extLst>
+          </p:cNvPr>
+          <p:cNvSpPr>
+            <a:spLocks noGrp="1"/>
+          </p:cNvSpPr>
+          <p:nvPr>
+            <p:ph sz="quarter" idx="14"/>
+          </p:nvPr>
+        </p:nvSpPr>
+        <p:spPr/>
+        <p:txBody>
+          <a:bodyPr/>
+          <a:lstStyle/>
+          <a:p>
             <a:endParaRPr lang="zh-CN" altLang="en-US"/>
           </a:p>
         </p:txBody>
@@ -1166,7 +1286,7 @@
     </p:spTree>
     <p:extLst>
       <p:ext uri="{BB962C8B-B14F-4D97-AF65-F5344CB8AC3E}">
-        <p14:creationId xmlns:p14="http://schemas.microsoft.com/office/powerpoint/2010/main" val="193431470"/>
+        <p14:creationId xmlns:p14="http://schemas.microsoft.com/office/powerpoint/2010/main" val="3626201775"/>
       </p:ext>
     </p:extLst>
   </p:cSld>

--- a/_en/Timeline/English/sources/PowerPoint_Slide_Master.pptx
+++ b/_en/Timeline/English/sources/PowerPoint_Slide_Master.pptx
@@ -115,6 +115,162 @@
 
 <file path=ppt/slideLayouts/slideLayout1.xml><?xml version="1.0" encoding="utf-8"?>
 <p:sldLayout xmlns:a="http://schemas.openxmlformats.org/drawingml/2006/main" xmlns:r="http://schemas.openxmlformats.org/officeDocument/2006/relationships" xmlns:p="http://schemas.openxmlformats.org/presentationml/2006/main" preserve="1" userDrawn="1">
+  <p:cSld name="Title Slide">
+    <p:spTree>
+      <p:nvGrpSpPr>
+        <p:cNvPr id="1" name=""/>
+        <p:cNvGrpSpPr/>
+        <p:nvPr/>
+      </p:nvGrpSpPr>
+      <p:grpSpPr>
+        <a:xfrm>
+          <a:off x="0" y="0"/>
+          <a:ext cx="0" cy="0"/>
+          <a:chOff x="0" y="0"/>
+          <a:chExt cx="0" cy="0"/>
+        </a:xfrm>
+      </p:grpSpPr>
+      <p:sp>
+        <p:nvSpPr>
+          <p:cNvPr id="4" name="Text Placeholder 3">
+            <a:extLst>
+              <a:ext uri="{FF2B5EF4-FFF2-40B4-BE49-F238E27FC236}">
+                <a16:creationId xmlns:a16="http://schemas.microsoft.com/office/drawing/2014/main" id="{E8468109-E208-410E-B7AB-798330178D56}"/>
+              </a:ext>
+            </a:extLst>
+          </p:cNvPr>
+          <p:cNvSpPr>
+            <a:spLocks noGrp="1"/>
+          </p:cNvSpPr>
+          <p:nvPr>
+            <p:ph type="body" sz="quarter" idx="10" hasCustomPrompt="1"/>
+          </p:nvPr>
+        </p:nvSpPr>
+        <p:spPr>
+          <a:xfrm>
+            <a:off x="252000" y="549000"/>
+            <a:ext cx="8640000" cy="2880000"/>
+          </a:xfrm>
+          <a:prstGeom prst="rect">
+            <a:avLst/>
+          </a:prstGeom>
+        </p:spPr>
+        <p:txBody>
+          <a:bodyPr wrap="none" lIns="0" tIns="0" rIns="0" bIns="0" anchor="b" anchorCtr="1"/>
+          <a:lstStyle>
+            <a:lvl1pPr marL="0" indent="0" algn="ctr" defTabSz="432000">
+              <a:lnSpc>
+                <a:spcPct val="100000"/>
+              </a:lnSpc>
+              <a:spcBef>
+                <a:spcPts val="0"/>
+              </a:spcBef>
+              <a:buNone/>
+              <a:defRPr sz="3000">
+                <a:solidFill>
+                  <a:srgbClr val="2196F3"/>
+                </a:solidFill>
+                <a:latin typeface="Consolas" panose="020B0609020204030204" pitchFamily="49" charset="0"/>
+              </a:defRPr>
+            </a:lvl1pPr>
+          </a:lstStyle>
+          <a:p>
+            <a:pPr lvl="0"/>
+            <a:r>
+              <a:rPr lang="en-US" altLang="zh-CN" dirty="0"/>
+              <a:t>Add Topic Here</a:t>
+            </a:r>
+            <a:br>
+              <a:rPr lang="en-US" altLang="zh-CN" dirty="0"/>
+            </a:br>
+            <a:endParaRPr lang="en-US" altLang="zh-CN" dirty="0"/>
+          </a:p>
+        </p:txBody>
+      </p:sp>
+      <p:sp>
+        <p:nvSpPr>
+          <p:cNvPr id="5" name="Text Placeholder 3">
+            <a:extLst>
+              <a:ext uri="{FF2B5EF4-FFF2-40B4-BE49-F238E27FC236}">
+                <a16:creationId xmlns:a16="http://schemas.microsoft.com/office/drawing/2014/main" id="{3EF48E4E-D188-4BD8-A2AF-7BB5212EE332}"/>
+              </a:ext>
+            </a:extLst>
+          </p:cNvPr>
+          <p:cNvSpPr>
+            <a:spLocks noGrp="1"/>
+          </p:cNvSpPr>
+          <p:nvPr>
+            <p:ph type="body" sz="quarter" idx="11" hasCustomPrompt="1"/>
+          </p:nvPr>
+        </p:nvSpPr>
+        <p:spPr>
+          <a:xfrm>
+            <a:off x="252000" y="3429000"/>
+            <a:ext cx="8640000" cy="2880000"/>
+          </a:xfrm>
+          <a:prstGeom prst="rect">
+            <a:avLst/>
+          </a:prstGeom>
+        </p:spPr>
+        <p:txBody>
+          <a:bodyPr wrap="none" lIns="0" tIns="0" rIns="0" bIns="0" anchor="t" anchorCtr="1"/>
+          <a:lstStyle>
+            <a:lvl1pPr marL="0" indent="0" defTabSz="288000">
+              <a:lnSpc>
+                <a:spcPct val="100000"/>
+              </a:lnSpc>
+              <a:spcBef>
+                <a:spcPts val="0"/>
+              </a:spcBef>
+              <a:buNone/>
+              <a:defRPr sz="2000">
+                <a:solidFill>
+                  <a:srgbClr val="000000"/>
+                </a:solidFill>
+                <a:latin typeface="Consolas" panose="020B0609020204030204" pitchFamily="49" charset="0"/>
+              </a:defRPr>
+            </a:lvl1pPr>
+          </a:lstStyle>
+          <a:p>
+            <a:pPr lvl="0"/>
+            <a:br>
+              <a:rPr lang="en-US" altLang="zh-CN" dirty="0"/>
+            </a:br>
+            <a:r>
+              <a:rPr lang="en-US" altLang="zh-CN" dirty="0"/>
+              <a:t>Add Information Here</a:t>
+            </a:r>
+            <a:endParaRPr lang="zh-CN" altLang="en-US" dirty="0"/>
+          </a:p>
+        </p:txBody>
+      </p:sp>
+    </p:spTree>
+    <p:extLst>
+      <p:ext uri="{BB962C8B-B14F-4D97-AF65-F5344CB8AC3E}">
+        <p14:creationId xmlns:p14="http://schemas.microsoft.com/office/powerpoint/2010/main" val="4223557676"/>
+      </p:ext>
+    </p:extLst>
+  </p:cSld>
+  <p:clrMapOvr>
+    <a:masterClrMapping/>
+  </p:clrMapOvr>
+  <mc:AlternateContent xmlns:mc="http://schemas.openxmlformats.org/markup-compatibility/2006" xmlns:p14="http://schemas.microsoft.com/office/powerpoint/2010/main">
+    <mc:Choice Requires="p14">
+      <p:transition spd="slow" p14:dur="1300">
+        <p14:pan dir="u"/>
+      </p:transition>
+    </mc:Choice>
+    <mc:Fallback xmlns="">
+      <p:transition spd="slow">
+        <p:fade/>
+      </p:transition>
+    </mc:Fallback>
+  </mc:AlternateContent>
+</p:sldLayout>
+</file>
+
+<file path=ppt/slideLayouts/slideLayout2.xml><?xml version="1.0" encoding="utf-8"?>
+<p:sldLayout xmlns:a="http://schemas.openxmlformats.org/drawingml/2006/main" xmlns:r="http://schemas.openxmlformats.org/officeDocument/2006/relationships" xmlns:p="http://schemas.openxmlformats.org/presentationml/2006/main" preserve="1" userDrawn="1">
   <p:cSld name="Title and Content">
     <p:spTree>
       <p:nvGrpSpPr>
@@ -398,7 +554,7 @@
                 <a:srgbClr val="4CAF50"/>
               </a:buClr>
               <a:buFont typeface="Consolas" panose="020B0609020204030204" pitchFamily="49" charset="0"/>
-              <a:buChar char="♫"/>
+              <a:buChar char="♪"/>
               <a:defRPr sz="1800">
                 <a:solidFill>
                   <a:srgbClr val="4CAF50"/>
@@ -407,6 +563,9 @@
               </a:defRPr>
             </a:lvl1pPr>
             <a:lvl2pPr marL="504000" indent="-252000" defTabSz="252000">
+              <a:lnSpc>
+                <a:spcPct val="100000"/>
+              </a:lnSpc>
               <a:spcBef>
                 <a:spcPts val="0"/>
               </a:spcBef>
@@ -414,7 +573,7 @@
                 <a:srgbClr val="4CAF50"/>
               </a:buClr>
               <a:buFont typeface="Consolas" panose="020B0609020204030204" pitchFamily="49" charset="0"/>
-              <a:buChar char="♪"/>
+              <a:buChar char="♫"/>
               <a:defRPr>
                 <a:solidFill>
                   <a:srgbClr val="4CAF50"/>
@@ -452,11 +611,7 @@
             </a:br>
             <a:r>
               <a:rPr lang="en-US" altLang="zh-CN" dirty="0"/>
-              <a:t>Tap to </a:t>
-            </a:r>
-            <a:r>
-              <a:rPr lang="en-US" altLang="zh-CN"/>
-              <a:t>Add Items</a:t>
+              <a:t>Tap to Add Items</a:t>
             </a:r>
             <a:br>
               <a:rPr lang="en-US" altLang="zh-CN" dirty="0"/>
@@ -519,7 +674,7 @@
                 <a:srgbClr val="4CAF50"/>
               </a:buClr>
               <a:buFont typeface="Consolas" panose="020B0609020204030204" pitchFamily="49" charset="0"/>
-              <a:buChar char="♫"/>
+              <a:buChar char="♪"/>
               <a:defRPr sz="1800">
                 <a:solidFill>
                   <a:srgbClr val="4CAF50"/>
@@ -538,7 +693,7 @@
                 <a:srgbClr val="4CAF50"/>
               </a:buClr>
               <a:buFont typeface="Consolas" panose="020B0609020204030204" pitchFamily="49" charset="0"/>
-              <a:buChar char="♪"/>
+              <a:buChar char="♫"/>
               <a:defRPr>
                 <a:solidFill>
                   <a:srgbClr val="4CAF50"/>
@@ -568,162 +723,6 @@
     <p:extLst>
       <p:ext uri="{BB962C8B-B14F-4D97-AF65-F5344CB8AC3E}">
         <p14:creationId xmlns:p14="http://schemas.microsoft.com/office/powerpoint/2010/main" val="3594044988"/>
-      </p:ext>
-    </p:extLst>
-  </p:cSld>
-  <p:clrMapOvr>
-    <a:masterClrMapping/>
-  </p:clrMapOvr>
-  <mc:AlternateContent xmlns:mc="http://schemas.openxmlformats.org/markup-compatibility/2006" xmlns:p14="http://schemas.microsoft.com/office/powerpoint/2010/main">
-    <mc:Choice Requires="p14">
-      <p:transition spd="slow" p14:dur="1300">
-        <p14:pan dir="u"/>
-      </p:transition>
-    </mc:Choice>
-    <mc:Fallback xmlns="">
-      <p:transition spd="slow">
-        <p:fade/>
-      </p:transition>
-    </mc:Fallback>
-  </mc:AlternateContent>
-</p:sldLayout>
-</file>
-
-<file path=ppt/slideLayouts/slideLayout2.xml><?xml version="1.0" encoding="utf-8"?>
-<p:sldLayout xmlns:a="http://schemas.openxmlformats.org/drawingml/2006/main" xmlns:r="http://schemas.openxmlformats.org/officeDocument/2006/relationships" xmlns:p="http://schemas.openxmlformats.org/presentationml/2006/main" preserve="1" userDrawn="1">
-  <p:cSld name="Title Slide">
-    <p:spTree>
-      <p:nvGrpSpPr>
-        <p:cNvPr id="1" name=""/>
-        <p:cNvGrpSpPr/>
-        <p:nvPr/>
-      </p:nvGrpSpPr>
-      <p:grpSpPr>
-        <a:xfrm>
-          <a:off x="0" y="0"/>
-          <a:ext cx="0" cy="0"/>
-          <a:chOff x="0" y="0"/>
-          <a:chExt cx="0" cy="0"/>
-        </a:xfrm>
-      </p:grpSpPr>
-      <p:sp>
-        <p:nvSpPr>
-          <p:cNvPr id="4" name="Text Placeholder 3">
-            <a:extLst>
-              <a:ext uri="{FF2B5EF4-FFF2-40B4-BE49-F238E27FC236}">
-                <a16:creationId xmlns:a16="http://schemas.microsoft.com/office/drawing/2014/main" id="{E8468109-E208-410E-B7AB-798330178D56}"/>
-              </a:ext>
-            </a:extLst>
-          </p:cNvPr>
-          <p:cNvSpPr>
-            <a:spLocks noGrp="1"/>
-          </p:cNvSpPr>
-          <p:nvPr>
-            <p:ph type="body" sz="quarter" idx="10" hasCustomPrompt="1"/>
-          </p:nvPr>
-        </p:nvSpPr>
-        <p:spPr>
-          <a:xfrm>
-            <a:off x="252000" y="549000"/>
-            <a:ext cx="8640000" cy="2880000"/>
-          </a:xfrm>
-          <a:prstGeom prst="rect">
-            <a:avLst/>
-          </a:prstGeom>
-        </p:spPr>
-        <p:txBody>
-          <a:bodyPr wrap="none" lIns="0" tIns="0" rIns="0" bIns="0" anchor="b" anchorCtr="1"/>
-          <a:lstStyle>
-            <a:lvl1pPr marL="0" indent="0" algn="ctr" defTabSz="432000">
-              <a:lnSpc>
-                <a:spcPct val="100000"/>
-              </a:lnSpc>
-              <a:spcBef>
-                <a:spcPts val="0"/>
-              </a:spcBef>
-              <a:buNone/>
-              <a:defRPr sz="3000">
-                <a:solidFill>
-                  <a:srgbClr val="2196F3"/>
-                </a:solidFill>
-                <a:latin typeface="Consolas" panose="020B0609020204030204" pitchFamily="49" charset="0"/>
-              </a:defRPr>
-            </a:lvl1pPr>
-          </a:lstStyle>
-          <a:p>
-            <a:pPr lvl="0"/>
-            <a:r>
-              <a:rPr lang="en-US" altLang="zh-CN" dirty="0"/>
-              <a:t>Add Topic Here</a:t>
-            </a:r>
-            <a:br>
-              <a:rPr lang="en-US" altLang="zh-CN" dirty="0"/>
-            </a:br>
-            <a:endParaRPr lang="en-US" altLang="zh-CN" dirty="0"/>
-          </a:p>
-        </p:txBody>
-      </p:sp>
-      <p:sp>
-        <p:nvSpPr>
-          <p:cNvPr id="5" name="Text Placeholder 3">
-            <a:extLst>
-              <a:ext uri="{FF2B5EF4-FFF2-40B4-BE49-F238E27FC236}">
-                <a16:creationId xmlns:a16="http://schemas.microsoft.com/office/drawing/2014/main" id="{3EF48E4E-D188-4BD8-A2AF-7BB5212EE332}"/>
-              </a:ext>
-            </a:extLst>
-          </p:cNvPr>
-          <p:cNvSpPr>
-            <a:spLocks noGrp="1"/>
-          </p:cNvSpPr>
-          <p:nvPr>
-            <p:ph type="body" sz="quarter" idx="11" hasCustomPrompt="1"/>
-          </p:nvPr>
-        </p:nvSpPr>
-        <p:spPr>
-          <a:xfrm>
-            <a:off x="252000" y="3429000"/>
-            <a:ext cx="8640000" cy="2880000"/>
-          </a:xfrm>
-          <a:prstGeom prst="rect">
-            <a:avLst/>
-          </a:prstGeom>
-        </p:spPr>
-        <p:txBody>
-          <a:bodyPr wrap="none" lIns="0" tIns="0" rIns="0" bIns="0" anchor="t" anchorCtr="1"/>
-          <a:lstStyle>
-            <a:lvl1pPr marL="0" indent="0" defTabSz="288000">
-              <a:lnSpc>
-                <a:spcPct val="100000"/>
-              </a:lnSpc>
-              <a:spcBef>
-                <a:spcPts val="0"/>
-              </a:spcBef>
-              <a:buNone/>
-              <a:defRPr sz="2000">
-                <a:solidFill>
-                  <a:srgbClr val="000000"/>
-                </a:solidFill>
-                <a:latin typeface="Consolas" panose="020B0609020204030204" pitchFamily="49" charset="0"/>
-              </a:defRPr>
-            </a:lvl1pPr>
-          </a:lstStyle>
-          <a:p>
-            <a:pPr lvl="0"/>
-            <a:br>
-              <a:rPr lang="en-US" altLang="zh-CN" dirty="0"/>
-            </a:br>
-            <a:r>
-              <a:rPr lang="en-US" altLang="zh-CN" dirty="0"/>
-              <a:t>Add Information Here</a:t>
-            </a:r>
-            <a:endParaRPr lang="zh-CN" altLang="en-US" dirty="0"/>
-          </a:p>
-        </p:txBody>
-      </p:sp>
-    </p:spTree>
-    <p:extLst>
-      <p:ext uri="{BB962C8B-B14F-4D97-AF65-F5344CB8AC3E}">
-        <p14:creationId xmlns:p14="http://schemas.microsoft.com/office/powerpoint/2010/main" val="4223557676"/>
       </p:ext>
     </p:extLst>
   </p:cSld>
@@ -776,8 +775,8 @@
   </p:cSld>
   <p:clrMap bg1="lt1" tx1="dk1" bg2="lt2" tx2="dk2" accent1="accent1" accent2="accent2" accent3="accent3" accent4="accent4" accent5="accent5" accent6="accent6" hlink="hlink" folHlink="folHlink"/>
   <p:sldLayoutIdLst>
-    <p:sldLayoutId id="2147483649" r:id="rId1"/>
-    <p:sldLayoutId id="2147483650" r:id="rId2"/>
+    <p:sldLayoutId id="2147483650" r:id="rId1"/>
+    <p:sldLayoutId id="2147483649" r:id="rId2"/>
   </p:sldLayoutIdLst>
   <mc:AlternateContent xmlns:mc="http://schemas.openxmlformats.org/markup-compatibility/2006" xmlns:p14="http://schemas.microsoft.com/office/powerpoint/2010/main">
     <mc:Choice Requires="p14">

--- a/_en/Timeline/English/sources/PowerPoint_Slide_Master.pptx
+++ b/_en/Timeline/English/sources/PowerPoint_Slide_Master.pptx
@@ -599,19 +599,15 @@
               <a:rPr lang="en-US" altLang="zh-CN" dirty="0"/>
             </a:br>
             <a:r>
-              <a:rPr lang="en-US" altLang="zh-CN" dirty="0" err="1"/>
-              <a:t>Shift+Enter</a:t>
-            </a:r>
-            <a:r>
-              <a:rPr lang="en-US" altLang="zh-CN" dirty="0"/>
-              <a:t> to Add Content</a:t>
+              <a:rPr lang="en-US" altLang="zh-CN" dirty="0"/>
+              <a:t>SHIFT+ENTER to Add Content</a:t>
             </a:r>
             <a:br>
               <a:rPr lang="en-US" altLang="zh-CN" dirty="0"/>
             </a:br>
             <a:r>
               <a:rPr lang="en-US" altLang="zh-CN" dirty="0"/>
-              <a:t>Tap to Add Items</a:t>
+              <a:t>TAP to Add Items</a:t>
             </a:r>
             <a:br>
               <a:rPr lang="en-US" altLang="zh-CN" dirty="0"/>
